--- a/app/pptx_exports/test.pptx
+++ b/app/pptx_exports/test.pptx
@@ -3102,7 +3102,11 @@
         <p:txBody>
           <a:bodyPr/>
           <a:lstStyle/>
-          <a:p/>
+          <a:p>
+            <a:r>
+              <a:t>Test PowerPoint</a:t>
+            </a:r>
+          </a:p>
         </p:txBody>
       </p:sp>
       <p:sp>
@@ -3119,7 +3123,11 @@
         <p:txBody>
           <a:bodyPr/>
           <a:lstStyle/>
-          <a:p/>
+          <a:p>
+            <a:r>
+              <a:t>Catholic Charities of East Tennessee</a:t>
+            </a:r>
+          </a:p>
         </p:txBody>
       </p:sp>
     </p:spTree>
